--- a/CalendarioAgo2022/presentaciones/2_SolucionProblemas.pptx
+++ b/CalendarioAgo2022/presentaciones/2_SolucionProblemas.pptx
@@ -229,7 +229,7 @@
           <a:p>
             <a:fld id="{2D445F07-8756-451B-A938-0248325FC7BB}" type="datetimeFigureOut">
               <a:rPr lang="es-MX" smtClean="0"/>
-              <a:t>30/06/2020</a:t>
+              <a:t>09/08/2022</a:t>
             </a:fld>
             <a:endParaRPr lang="es-MX" dirty="0"/>
           </a:p>
@@ -1518,7 +1518,7 @@
           <a:p>
             <a:fld id="{5E75A0DC-66C6-4CEC-A5EB-F8C97CEC3796}" type="datetimeFigureOut">
               <a:rPr lang="es-MX" smtClean="0"/>
-              <a:t>30/06/2020</a:t>
+              <a:t>09/08/2022</a:t>
             </a:fld>
             <a:endParaRPr lang="es-MX" dirty="0"/>
           </a:p>
@@ -1688,7 +1688,7 @@
           <a:p>
             <a:fld id="{5E75A0DC-66C6-4CEC-A5EB-F8C97CEC3796}" type="datetimeFigureOut">
               <a:rPr lang="es-MX" smtClean="0"/>
-              <a:t>30/06/2020</a:t>
+              <a:t>09/08/2022</a:t>
             </a:fld>
             <a:endParaRPr lang="es-MX" dirty="0"/>
           </a:p>
@@ -1868,7 +1868,7 @@
           <a:p>
             <a:fld id="{5E75A0DC-66C6-4CEC-A5EB-F8C97CEC3796}" type="datetimeFigureOut">
               <a:rPr lang="es-MX" smtClean="0"/>
-              <a:t>30/06/2020</a:t>
+              <a:t>09/08/2022</a:t>
             </a:fld>
             <a:endParaRPr lang="es-MX" dirty="0"/>
           </a:p>
@@ -2021,7 +2021,7 @@
           <a:p>
             <a:fld id="{1D8BD707-D9CF-40AE-B4C6-C98DA3205C09}" type="datetimeFigureOut">
               <a:rPr lang="en-US" smtClean="0"/>
-              <a:t>6/30/2020</a:t>
+              <a:t>8/9/2022</a:t>
             </a:fld>
             <a:endParaRPr lang="en-US"/>
           </a:p>
@@ -2145,7 +2145,7 @@
           <a:p>
             <a:fld id="{1D8BD707-D9CF-40AE-B4C6-C98DA3205C09}" type="datetimeFigureOut">
               <a:rPr lang="en-US" smtClean="0"/>
-              <a:t>6/30/2020</a:t>
+              <a:t>8/9/2022</a:t>
             </a:fld>
             <a:endParaRPr lang="en-US"/>
           </a:p>
@@ -2305,7 +2305,7 @@
           <a:p>
             <a:fld id="{5E75A0DC-66C6-4CEC-A5EB-F8C97CEC3796}" type="datetimeFigureOut">
               <a:rPr lang="es-MX" smtClean="0"/>
-              <a:t>30/06/2020</a:t>
+              <a:t>09/08/2022</a:t>
             </a:fld>
             <a:endParaRPr lang="es-MX" dirty="0"/>
           </a:p>
@@ -2551,7 +2551,7 @@
           <a:p>
             <a:fld id="{5E75A0DC-66C6-4CEC-A5EB-F8C97CEC3796}" type="datetimeFigureOut">
               <a:rPr lang="es-MX" smtClean="0"/>
-              <a:t>30/06/2020</a:t>
+              <a:t>09/08/2022</a:t>
             </a:fld>
             <a:endParaRPr lang="es-MX" dirty="0"/>
           </a:p>
@@ -2839,7 +2839,7 @@
           <a:p>
             <a:fld id="{5E75A0DC-66C6-4CEC-A5EB-F8C97CEC3796}" type="datetimeFigureOut">
               <a:rPr lang="es-MX" smtClean="0"/>
-              <a:t>30/06/2020</a:t>
+              <a:t>09/08/2022</a:t>
             </a:fld>
             <a:endParaRPr lang="es-MX" dirty="0"/>
           </a:p>
@@ -3261,7 +3261,7 @@
           <a:p>
             <a:fld id="{5E75A0DC-66C6-4CEC-A5EB-F8C97CEC3796}" type="datetimeFigureOut">
               <a:rPr lang="es-MX" smtClean="0"/>
-              <a:t>30/06/2020</a:t>
+              <a:t>09/08/2022</a:t>
             </a:fld>
             <a:endParaRPr lang="es-MX" dirty="0"/>
           </a:p>
@@ -3379,7 +3379,7 @@
           <a:p>
             <a:fld id="{5E75A0DC-66C6-4CEC-A5EB-F8C97CEC3796}" type="datetimeFigureOut">
               <a:rPr lang="es-MX" smtClean="0"/>
-              <a:t>30/06/2020</a:t>
+              <a:t>09/08/2022</a:t>
             </a:fld>
             <a:endParaRPr lang="es-MX" dirty="0"/>
           </a:p>
@@ -3474,7 +3474,7 @@
           <a:p>
             <a:fld id="{5E75A0DC-66C6-4CEC-A5EB-F8C97CEC3796}" type="datetimeFigureOut">
               <a:rPr lang="es-MX" smtClean="0"/>
-              <a:t>30/06/2020</a:t>
+              <a:t>09/08/2022</a:t>
             </a:fld>
             <a:endParaRPr lang="es-MX" dirty="0"/>
           </a:p>
@@ -3751,7 +3751,7 @@
           <a:p>
             <a:fld id="{5E75A0DC-66C6-4CEC-A5EB-F8C97CEC3796}" type="datetimeFigureOut">
               <a:rPr lang="es-MX" smtClean="0"/>
-              <a:t>30/06/2020</a:t>
+              <a:t>09/08/2022</a:t>
             </a:fld>
             <a:endParaRPr lang="es-MX" dirty="0"/>
           </a:p>
@@ -4004,7 +4004,7 @@
           <a:p>
             <a:fld id="{5E75A0DC-66C6-4CEC-A5EB-F8C97CEC3796}" type="datetimeFigureOut">
               <a:rPr lang="es-MX" smtClean="0"/>
-              <a:t>30/06/2020</a:t>
+              <a:t>09/08/2022</a:t>
             </a:fld>
             <a:endParaRPr lang="es-MX" dirty="0"/>
           </a:p>
@@ -4217,7 +4217,7 @@
           <a:p>
             <a:fld id="{5E75A0DC-66C6-4CEC-A5EB-F8C97CEC3796}" type="datetimeFigureOut">
               <a:rPr lang="es-MX" smtClean="0"/>
-              <a:t>30/06/2020</a:t>
+              <a:t>09/08/2022</a:t>
             </a:fld>
             <a:endParaRPr lang="es-MX" dirty="0"/>
           </a:p>
@@ -17955,10 +17955,10 @@
                 </a:solidFill>
                 <a:cs typeface="Gill Sans MT"/>
               </a:rPr>
-              <a:t>gú</a:t>
-            </a:r>
-            <a:r>
-              <a:rPr sz="2000" spc="-8" dirty="0" err="1">
+              <a:t>g</a:t>
+            </a:r>
+            <a:r>
+              <a:rPr lang="es-ES" sz="2000" spc="-6" dirty="0">
                 <a:solidFill>
                   <a:schemeClr val="bg2">
                     <a:lumMod val="25000"/>
@@ -17966,10 +17966,21 @@
                 </a:solidFill>
                 <a:cs typeface="Gill Sans MT"/>
               </a:rPr>
+              <a:t>ú</a:t>
+            </a:r>
+            <a:r>
+              <a:rPr sz="2000" spc="-8" dirty="0">
+                <a:solidFill>
+                  <a:schemeClr val="bg2">
+                    <a:lumMod val="25000"/>
+                  </a:schemeClr>
+                </a:solidFill>
+                <a:cs typeface="Gill Sans MT"/>
+              </a:rPr>
               <a:t>r</a:t>
             </a:r>
             <a:r>
-              <a:rPr sz="2000" spc="-6" dirty="0" err="1">
+              <a:rPr sz="2000" spc="-6" dirty="0">
                 <a:solidFill>
                   <a:schemeClr val="bg2">
                     <a:lumMod val="25000"/>
